--- a/week_8/2_Report_Info.pptx
+++ b/week_8/2_Report_Info.pptx
@@ -5087,7 +5087,13 @@
           <p:cNvGraphicFramePr>
             <a:graphicFrameLocks noGrp="1"/>
           </p:cNvGraphicFramePr>
-          <p:nvPr/>
+          <p:nvPr>
+            <p:extLst>
+              <p:ext uri="{D42A27DB-BD31-4B8C-83A1-F6EECF244321}">
+                <p14:modId xmlns:p14="http://schemas.microsoft.com/office/powerpoint/2010/main" val="4001180749"/>
+              </p:ext>
+            </p:extLst>
+          </p:nvPr>
         </p:nvGraphicFramePr>
         <p:xfrm>
           <a:off x="1549546" y="4870670"/>
@@ -5198,7 +5204,7 @@
                         <a:rPr lang="en-GB" sz="2000" dirty="0">
                           <a:effectLst/>
                         </a:rPr>
-                        <a:t>30</a:t>
+                        <a:t>31</a:t>
                       </a:r>
                       <a:endParaRPr lang="en-GB" sz="2000" dirty="0">
                         <a:effectLst/>
